--- a/inst/templates/report.pptx
+++ b/inst/templates/report.pptx
@@ -211,7 +211,7 @@
           <a:p>
             <a:fld id="{1B656253-81D4-504C-9F22-C43A5586B7F8}" type="datetimeFigureOut">
               <a:rPr lang="en-US" smtClean="0"/>
-              <a:t>6/1/21</a:t>
+              <a:t>7/4/21</a:t>
             </a:fld>
             <a:endParaRPr lang="en-US"/>
           </a:p>
@@ -377,7 +377,7 @@
           <a:p>
             <a:fld id="{EEA38B4D-A065-A048-981C-DE16882AB0B1}" type="datetimeFigureOut">
               <a:rPr lang="en-US" smtClean="0"/>
-              <a:t>6/1/21</a:t>
+              <a:t>7/4/21</a:t>
             </a:fld>
             <a:endParaRPr lang="en-US"/>
           </a:p>
@@ -842,36 +842,6 @@
           <a:chExt cx="0" cy="0"/>
         </a:xfrm>
       </p:grpSpPr>
-      <p:pic>
-        <p:nvPicPr>
-          <p:cNvPr id="6" name="Picture 5" descr="slide_background_tall.png"/>
-          <p:cNvPicPr>
-            <a:picLocks noChangeAspect="1"/>
-          </p:cNvPicPr>
-          <p:nvPr userDrawn="1"/>
-        </p:nvPicPr>
-        <p:blipFill>
-          <a:blip r:embed="rId2">
-            <a:extLst>
-              <a:ext uri="{28A0092B-C50C-407E-A947-70E740481C1C}">
-                <a14:useLocalDpi xmlns:a14="http://schemas.microsoft.com/office/drawing/2010/main" val="0"/>
-              </a:ext>
-            </a:extLst>
-          </a:blip>
-          <a:stretch>
-            <a:fillRect/>
-          </a:stretch>
-        </p:blipFill>
-        <p:spPr>
-          <a:xfrm>
-            <a:off x="0" y="-27384"/>
-            <a:ext cx="9144000" cy="1493881"/>
-          </a:xfrm>
-          <a:prstGeom prst="rect">
-            <a:avLst/>
-          </a:prstGeom>
-        </p:spPr>
-      </p:pic>
       <p:sp>
         <p:nvSpPr>
           <p:cNvPr id="2" name="Title 1"/>
@@ -924,7 +894,7 @@
           <a:p>
             <a:fld id="{D871C1FE-9025-5C49-BA5C-C24D6151D8FF}" type="datetime1">
               <a:rPr lang="en-US" smtClean="0"/>
-              <a:t>6/1/21</a:t>
+              <a:t>7/4/21</a:t>
             </a:fld>
             <a:endParaRPr lang="en-GB"/>
           </a:p>
@@ -1038,7 +1008,7 @@
           <a:p>
             <a:fld id="{52BA1850-337E-7747-91FB-64B4051995E4}" type="datetime1">
               <a:rPr lang="en-US" smtClean="0"/>
-              <a:t>6/1/21</a:t>
+              <a:t>7/4/21</a:t>
             </a:fld>
             <a:endParaRPr lang="en-GB"/>
           </a:p>
@@ -1130,36 +1100,6 @@
           <a:chExt cx="0" cy="0"/>
         </a:xfrm>
       </p:grpSpPr>
-      <p:pic>
-        <p:nvPicPr>
-          <p:cNvPr id="9" name="Picture 8" descr="slide_background_tall.png"/>
-          <p:cNvPicPr>
-            <a:picLocks noChangeAspect="1"/>
-          </p:cNvPicPr>
-          <p:nvPr userDrawn="1"/>
-        </p:nvPicPr>
-        <p:blipFill>
-          <a:blip r:embed="rId2">
-            <a:extLst>
-              <a:ext uri="{28A0092B-C50C-407E-A947-70E740481C1C}">
-                <a14:useLocalDpi xmlns:a14="http://schemas.microsoft.com/office/drawing/2010/main" val="0"/>
-              </a:ext>
-            </a:extLst>
-          </a:blip>
-          <a:stretch>
-            <a:fillRect/>
-          </a:stretch>
-        </p:blipFill>
-        <p:spPr>
-          <a:xfrm>
-            <a:off x="0" y="-27384"/>
-            <a:ext cx="9144000" cy="1493881"/>
-          </a:xfrm>
-          <a:prstGeom prst="rect">
-            <a:avLst/>
-          </a:prstGeom>
-        </p:spPr>
-      </p:pic>
       <p:sp>
         <p:nvSpPr>
           <p:cNvPr id="2" name="Title 1"/>
@@ -1298,7 +1238,7 @@
           <a:p>
             <a:fld id="{AA0DAA0C-97E8-DA4A-9975-EC4E464C2F40}" type="datetime1">
               <a:rPr lang="en-US" smtClean="0"/>
-              <a:t>6/1/21</a:t>
+              <a:t>7/4/21</a:t>
             </a:fld>
             <a:endParaRPr lang="en-GB"/>
           </a:p>
@@ -1472,36 +1412,6 @@
           <a:chExt cx="0" cy="0"/>
         </a:xfrm>
       </p:grpSpPr>
-      <p:pic>
-        <p:nvPicPr>
-          <p:cNvPr id="9" name="Picture 8" descr="slide_background_tall.png"/>
-          <p:cNvPicPr>
-            <a:picLocks noChangeAspect="1"/>
-          </p:cNvPicPr>
-          <p:nvPr userDrawn="1"/>
-        </p:nvPicPr>
-        <p:blipFill>
-          <a:blip r:embed="rId2">
-            <a:extLst>
-              <a:ext uri="{28A0092B-C50C-407E-A947-70E740481C1C}">
-                <a14:useLocalDpi xmlns:a14="http://schemas.microsoft.com/office/drawing/2010/main" val="0"/>
-              </a:ext>
-            </a:extLst>
-          </a:blip>
-          <a:stretch>
-            <a:fillRect/>
-          </a:stretch>
-        </p:blipFill>
-        <p:spPr>
-          <a:xfrm>
-            <a:off x="0" y="-27384"/>
-            <a:ext cx="9144000" cy="1493881"/>
-          </a:xfrm>
-          <a:prstGeom prst="rect">
-            <a:avLst/>
-          </a:prstGeom>
-        </p:spPr>
-      </p:pic>
       <p:sp>
         <p:nvSpPr>
           <p:cNvPr id="2" name="Title 1"/>
@@ -1645,7 +1555,7 @@
           <a:p>
             <a:fld id="{AA0DAA0C-97E8-DA4A-9975-EC4E464C2F40}" type="datetime1">
               <a:rPr lang="en-US" smtClean="0"/>
-              <a:t>6/1/21</a:t>
+              <a:t>7/4/21</a:t>
             </a:fld>
             <a:endParaRPr lang="en-GB"/>
           </a:p>
@@ -2005,36 +1915,6 @@
           <a:chExt cx="0" cy="0"/>
         </a:xfrm>
       </p:grpSpPr>
-      <p:pic>
-        <p:nvPicPr>
-          <p:cNvPr id="8" name="Picture 7" descr="slide_background_tall.png"/>
-          <p:cNvPicPr>
-            <a:picLocks noChangeAspect="1"/>
-          </p:cNvPicPr>
-          <p:nvPr userDrawn="1"/>
-        </p:nvPicPr>
-        <p:blipFill>
-          <a:blip r:embed="rId2">
-            <a:extLst>
-              <a:ext uri="{28A0092B-C50C-407E-A947-70E740481C1C}">
-                <a14:useLocalDpi xmlns:a14="http://schemas.microsoft.com/office/drawing/2010/main" val="0"/>
-              </a:ext>
-            </a:extLst>
-          </a:blip>
-          <a:stretch>
-            <a:fillRect/>
-          </a:stretch>
-        </p:blipFill>
-        <p:spPr>
-          <a:xfrm>
-            <a:off x="0" y="-27384"/>
-            <a:ext cx="9144000" cy="1493881"/>
-          </a:xfrm>
-          <a:prstGeom prst="rect">
-            <a:avLst/>
-          </a:prstGeom>
-        </p:spPr>
-      </p:pic>
       <p:sp>
         <p:nvSpPr>
           <p:cNvPr id="2" name="Title 1"/>
@@ -2268,7 +2148,7 @@
           <a:p>
             <a:fld id="{04A76F9C-33B6-4248-95F4-E755A51BE64F}" type="datetime1">
               <a:rPr lang="en-US" smtClean="0"/>
-              <a:t>6/1/21</a:t>
+              <a:t>7/4/21</a:t>
             </a:fld>
             <a:endParaRPr lang="en-GB"/>
           </a:p>
@@ -2578,36 +2458,6 @@
           <a:chExt cx="0" cy="0"/>
         </a:xfrm>
       </p:grpSpPr>
-      <p:pic>
-        <p:nvPicPr>
-          <p:cNvPr id="8" name="Picture 7" descr="slide_background_tall.png"/>
-          <p:cNvPicPr>
-            <a:picLocks noChangeAspect="1"/>
-          </p:cNvPicPr>
-          <p:nvPr userDrawn="1"/>
-        </p:nvPicPr>
-        <p:blipFill>
-          <a:blip r:embed="rId2">
-            <a:extLst>
-              <a:ext uri="{28A0092B-C50C-407E-A947-70E740481C1C}">
-                <a14:useLocalDpi xmlns:a14="http://schemas.microsoft.com/office/drawing/2010/main" val="0"/>
-              </a:ext>
-            </a:extLst>
-          </a:blip>
-          <a:stretch>
-            <a:fillRect/>
-          </a:stretch>
-        </p:blipFill>
-        <p:spPr>
-          <a:xfrm>
-            <a:off x="0" y="-27384"/>
-            <a:ext cx="9144000" cy="1493881"/>
-          </a:xfrm>
-          <a:prstGeom prst="rect">
-            <a:avLst/>
-          </a:prstGeom>
-        </p:spPr>
-      </p:pic>
       <p:sp>
         <p:nvSpPr>
           <p:cNvPr id="2" name="Title 1"/>
@@ -2851,7 +2701,7 @@
           <a:p>
             <a:fld id="{04A76F9C-33B6-4248-95F4-E755A51BE64F}" type="datetime1">
               <a:rPr lang="en-US" smtClean="0"/>
-              <a:t>6/1/21</a:t>
+              <a:t>7/4/21</a:t>
             </a:fld>
             <a:endParaRPr lang="en-GB"/>
           </a:p>
@@ -3161,36 +3011,6 @@
           <a:chExt cx="0" cy="0"/>
         </a:xfrm>
       </p:grpSpPr>
-      <p:pic>
-        <p:nvPicPr>
-          <p:cNvPr id="8" name="Picture 7" descr="slide_background_tall.png"/>
-          <p:cNvPicPr>
-            <a:picLocks noChangeAspect="1"/>
-          </p:cNvPicPr>
-          <p:nvPr userDrawn="1"/>
-        </p:nvPicPr>
-        <p:blipFill>
-          <a:blip r:embed="rId2">
-            <a:extLst>
-              <a:ext uri="{28A0092B-C50C-407E-A947-70E740481C1C}">
-                <a14:useLocalDpi xmlns:a14="http://schemas.microsoft.com/office/drawing/2010/main" val="0"/>
-              </a:ext>
-            </a:extLst>
-          </a:blip>
-          <a:stretch>
-            <a:fillRect/>
-          </a:stretch>
-        </p:blipFill>
-        <p:spPr>
-          <a:xfrm>
-            <a:off x="0" y="-27384"/>
-            <a:ext cx="9144000" cy="1493881"/>
-          </a:xfrm>
-          <a:prstGeom prst="rect">
-            <a:avLst/>
-          </a:prstGeom>
-        </p:spPr>
-      </p:pic>
       <p:sp>
         <p:nvSpPr>
           <p:cNvPr id="2" name="Title 1"/>
@@ -3438,7 +3258,7 @@
           <a:p>
             <a:fld id="{7BA53915-059E-FD4B-A198-BD5AD9F97206}" type="datetime1">
               <a:rPr lang="en-US" smtClean="0"/>
-              <a:t>6/1/21</a:t>
+              <a:t>7/4/21</a:t>
             </a:fld>
             <a:endParaRPr lang="en-GB"/>
           </a:p>
@@ -3760,36 +3580,6 @@
           <a:chExt cx="0" cy="0"/>
         </a:xfrm>
       </p:grpSpPr>
-      <p:pic>
-        <p:nvPicPr>
-          <p:cNvPr id="8" name="Picture 7" descr="slide_background_tall.png"/>
-          <p:cNvPicPr>
-            <a:picLocks noChangeAspect="1"/>
-          </p:cNvPicPr>
-          <p:nvPr userDrawn="1"/>
-        </p:nvPicPr>
-        <p:blipFill>
-          <a:blip r:embed="rId2">
-            <a:extLst>
-              <a:ext uri="{28A0092B-C50C-407E-A947-70E740481C1C}">
-                <a14:useLocalDpi xmlns:a14="http://schemas.microsoft.com/office/drawing/2010/main" val="0"/>
-              </a:ext>
-            </a:extLst>
-          </a:blip>
-          <a:stretch>
-            <a:fillRect/>
-          </a:stretch>
-        </p:blipFill>
-        <p:spPr>
-          <a:xfrm>
-            <a:off x="0" y="-27384"/>
-            <a:ext cx="9144000" cy="1493881"/>
-          </a:xfrm>
-          <a:prstGeom prst="rect">
-            <a:avLst/>
-          </a:prstGeom>
-        </p:spPr>
-      </p:pic>
       <p:sp>
         <p:nvSpPr>
           <p:cNvPr id="2" name="Title 1"/>
@@ -4027,7 +3817,7 @@
           <a:p>
             <a:fld id="{F7C6CE28-510F-5240-BB2D-5CAA84033ED0}" type="datetime1">
               <a:rPr lang="en-US" smtClean="0"/>
-              <a:t>6/1/21</a:t>
+              <a:t>7/4/21</a:t>
             </a:fld>
             <a:endParaRPr lang="en-GB"/>
           </a:p>
@@ -4201,36 +3991,6 @@
           <a:chExt cx="0" cy="0"/>
         </a:xfrm>
       </p:grpSpPr>
-      <p:pic>
-        <p:nvPicPr>
-          <p:cNvPr id="8" name="Picture 7" descr="slide_background_tall.png"/>
-          <p:cNvPicPr>
-            <a:picLocks noChangeAspect="1"/>
-          </p:cNvPicPr>
-          <p:nvPr userDrawn="1"/>
-        </p:nvPicPr>
-        <p:blipFill>
-          <a:blip r:embed="rId2">
-            <a:extLst>
-              <a:ext uri="{28A0092B-C50C-407E-A947-70E740481C1C}">
-                <a14:useLocalDpi xmlns:a14="http://schemas.microsoft.com/office/drawing/2010/main" val="0"/>
-              </a:ext>
-            </a:extLst>
-          </a:blip>
-          <a:stretch>
-            <a:fillRect/>
-          </a:stretch>
-        </p:blipFill>
-        <p:spPr>
-          <a:xfrm>
-            <a:off x="0" y="-27384"/>
-            <a:ext cx="9144000" cy="1493881"/>
-          </a:xfrm>
-          <a:prstGeom prst="rect">
-            <a:avLst/>
-          </a:prstGeom>
-        </p:spPr>
-      </p:pic>
       <p:sp>
         <p:nvSpPr>
           <p:cNvPr id="2" name="Title 1"/>
@@ -4478,7 +4238,7 @@
           <a:p>
             <a:fld id="{DC8473B6-9DB1-6841-865B-A1275004FC4D}" type="datetime1">
               <a:rPr lang="en-US" smtClean="0"/>
-              <a:t>6/1/21</a:t>
+              <a:t>7/4/21</a:t>
             </a:fld>
             <a:endParaRPr lang="en-GB"/>
           </a:p>
@@ -4657,6 +4417,87 @@
           <a:chExt cx="0" cy="0"/>
         </a:xfrm>
       </p:grpSpPr>
+      <p:pic>
+        <p:nvPicPr>
+          <p:cNvPr id="11" name="Picture 10" descr="slide_background_tall.png">
+            <a:extLst>
+              <a:ext uri="{FF2B5EF4-FFF2-40B4-BE49-F238E27FC236}">
+                <a16:creationId xmlns:a16="http://schemas.microsoft.com/office/drawing/2014/main" id="{ACC962F4-866F-B741-BCFC-4F33528E4B9C}"/>
+              </a:ext>
+            </a:extLst>
+          </p:cNvPr>
+          <p:cNvPicPr>
+            <a:picLocks noChangeAspect="1"/>
+          </p:cNvPicPr>
+          <p:nvPr userDrawn="1"/>
+        </p:nvPicPr>
+        <p:blipFill>
+          <a:blip r:embed="rId13">
+            <a:extLst>
+              <a:ext uri="{BEBA8EAE-BF5A-486C-A8C5-ECC9F3942E4B}">
+                <a14:imgProps xmlns:a14="http://schemas.microsoft.com/office/drawing/2010/main">
+                  <a14:imgLayer r:embed="rId14">
+                    <a14:imgEffect>
+                      <a14:saturation sat="33000"/>
+                    </a14:imgEffect>
+                  </a14:imgLayer>
+                </a14:imgProps>
+              </a:ext>
+              <a:ext uri="{28A0092B-C50C-407E-A947-70E740481C1C}">
+                <a14:useLocalDpi xmlns:a14="http://schemas.microsoft.com/office/drawing/2010/main" val="0"/>
+              </a:ext>
+            </a:extLst>
+          </a:blip>
+          <a:stretch>
+            <a:fillRect/>
+          </a:stretch>
+        </p:blipFill>
+        <p:spPr>
+          <a:xfrm>
+            <a:off x="0" y="0"/>
+            <a:ext cx="9144000" cy="1493881"/>
+          </a:xfrm>
+          <a:prstGeom prst="rect">
+            <a:avLst/>
+          </a:prstGeom>
+        </p:spPr>
+      </p:pic>
+      <p:pic>
+        <p:nvPicPr>
+          <p:cNvPr id="8" name="Picture 7">
+            <a:extLst>
+              <a:ext uri="{FF2B5EF4-FFF2-40B4-BE49-F238E27FC236}">
+                <a16:creationId xmlns:a16="http://schemas.microsoft.com/office/drawing/2014/main" id="{4E5C9452-636E-C34E-B717-374A80EE7E38}"/>
+              </a:ext>
+            </a:extLst>
+          </p:cNvPr>
+          <p:cNvPicPr>
+            <a:picLocks noChangeAspect="1"/>
+          </p:cNvPicPr>
+          <p:nvPr userDrawn="1"/>
+        </p:nvPicPr>
+        <p:blipFill>
+          <a:blip r:embed="rId15">
+            <a:extLst>
+              <a:ext uri="{28A0092B-C50C-407E-A947-70E740481C1C}">
+                <a14:useLocalDpi xmlns:a14="http://schemas.microsoft.com/office/drawing/2010/main" val="0"/>
+              </a:ext>
+            </a:extLst>
+          </a:blip>
+          <a:stretch>
+            <a:fillRect/>
+          </a:stretch>
+        </p:blipFill>
+        <p:spPr>
+          <a:xfrm>
+            <a:off x="7981407" y="136525"/>
+            <a:ext cx="1102066" cy="1210112"/>
+          </a:xfrm>
+          <a:prstGeom prst="rect">
+            <a:avLst/>
+          </a:prstGeom>
+        </p:spPr>
+      </p:pic>
       <p:sp>
         <p:nvSpPr>
           <p:cNvPr id="2" name="Title Placeholder 1"/>
@@ -4787,7 +4628,7 @@
           <a:p>
             <a:fld id="{13B1BC43-4B43-954F-8BAE-86993A84B7B7}" type="datetime1">
               <a:rPr lang="en-US" smtClean="0"/>
-              <a:t>6/1/21</a:t>
+              <a:t>7/4/21</a:t>
             </a:fld>
             <a:endParaRPr lang="en-GB" dirty="0"/>
           </a:p>

--- a/inst/templates/report.pptx
+++ b/inst/templates/report.pptx
@@ -211,7 +211,7 @@
           <a:p>
             <a:fld id="{1B656253-81D4-504C-9F22-C43A5586B7F8}" type="datetimeFigureOut">
               <a:rPr lang="en-US" smtClean="0"/>
-              <a:t>7/4/21</a:t>
+              <a:t>7/5/21</a:t>
             </a:fld>
             <a:endParaRPr lang="en-US"/>
           </a:p>
@@ -377,7 +377,7 @@
           <a:p>
             <a:fld id="{EEA38B4D-A065-A048-981C-DE16882AB0B1}" type="datetimeFigureOut">
               <a:rPr lang="en-US" smtClean="0"/>
-              <a:t>7/4/21</a:t>
+              <a:t>7/5/21</a:t>
             </a:fld>
             <a:endParaRPr lang="en-US"/>
           </a:p>
@@ -812,6 +812,42 @@
           </a:p>
         </p:txBody>
       </p:sp>
+      <p:pic>
+        <p:nvPicPr>
+          <p:cNvPr id="4" name="Picture 3">
+            <a:extLst>
+              <a:ext uri="{FF2B5EF4-FFF2-40B4-BE49-F238E27FC236}">
+                <a16:creationId xmlns:a16="http://schemas.microsoft.com/office/drawing/2014/main" id="{75899800-6C86-9946-AECC-4EE86BC16322}"/>
+              </a:ext>
+            </a:extLst>
+          </p:cNvPr>
+          <p:cNvPicPr>
+            <a:picLocks noChangeAspect="1"/>
+          </p:cNvPicPr>
+          <p:nvPr userDrawn="1"/>
+        </p:nvPicPr>
+        <p:blipFill>
+          <a:blip r:embed="rId2">
+            <a:extLst>
+              <a:ext uri="{28A0092B-C50C-407E-A947-70E740481C1C}">
+                <a14:useLocalDpi xmlns:a14="http://schemas.microsoft.com/office/drawing/2010/main" val="0"/>
+              </a:ext>
+            </a:extLst>
+          </a:blip>
+          <a:stretch>
+            <a:fillRect/>
+          </a:stretch>
+        </p:blipFill>
+        <p:spPr>
+          <a:xfrm>
+            <a:off x="7907167" y="5517232"/>
+            <a:ext cx="1102066" cy="1210112"/>
+          </a:xfrm>
+          <a:prstGeom prst="rect">
+            <a:avLst/>
+          </a:prstGeom>
+        </p:spPr>
+      </p:pic>
     </p:spTree>
     <p:extLst>
       <p:ext uri="{BB962C8B-B14F-4D97-AF65-F5344CB8AC3E}">
@@ -894,7 +930,7 @@
           <a:p>
             <a:fld id="{D871C1FE-9025-5C49-BA5C-C24D6151D8FF}" type="datetime1">
               <a:rPr lang="en-US" smtClean="0"/>
-              <a:t>7/4/21</a:t>
+              <a:t>7/5/21</a:t>
             </a:fld>
             <a:endParaRPr lang="en-GB"/>
           </a:p>
@@ -1008,7 +1044,7 @@
           <a:p>
             <a:fld id="{52BA1850-337E-7747-91FB-64B4051995E4}" type="datetime1">
               <a:rPr lang="en-US" smtClean="0"/>
-              <a:t>7/4/21</a:t>
+              <a:t>7/5/21</a:t>
             </a:fld>
             <a:endParaRPr lang="en-GB"/>
           </a:p>
@@ -1238,7 +1274,7 @@
           <a:p>
             <a:fld id="{AA0DAA0C-97E8-DA4A-9975-EC4E464C2F40}" type="datetime1">
               <a:rPr lang="en-US" smtClean="0"/>
-              <a:t>7/4/21</a:t>
+              <a:t>7/5/21</a:t>
             </a:fld>
             <a:endParaRPr lang="en-GB"/>
           </a:p>
@@ -1555,7 +1591,7 @@
           <a:p>
             <a:fld id="{AA0DAA0C-97E8-DA4A-9975-EC4E464C2F40}" type="datetime1">
               <a:rPr lang="en-US" smtClean="0"/>
-              <a:t>7/4/21</a:t>
+              <a:t>7/5/21</a:t>
             </a:fld>
             <a:endParaRPr lang="en-GB"/>
           </a:p>
@@ -2148,7 +2184,7 @@
           <a:p>
             <a:fld id="{04A76F9C-33B6-4248-95F4-E755A51BE64F}" type="datetime1">
               <a:rPr lang="en-US" smtClean="0"/>
-              <a:t>7/4/21</a:t>
+              <a:t>7/5/21</a:t>
             </a:fld>
             <a:endParaRPr lang="en-GB"/>
           </a:p>
@@ -2701,7 +2737,7 @@
           <a:p>
             <a:fld id="{04A76F9C-33B6-4248-95F4-E755A51BE64F}" type="datetime1">
               <a:rPr lang="en-US" smtClean="0"/>
-              <a:t>7/4/21</a:t>
+              <a:t>7/5/21</a:t>
             </a:fld>
             <a:endParaRPr lang="en-GB"/>
           </a:p>
@@ -3258,7 +3294,7 @@
           <a:p>
             <a:fld id="{7BA53915-059E-FD4B-A198-BD5AD9F97206}" type="datetime1">
               <a:rPr lang="en-US" smtClean="0"/>
-              <a:t>7/4/21</a:t>
+              <a:t>7/5/21</a:t>
             </a:fld>
             <a:endParaRPr lang="en-GB"/>
           </a:p>
@@ -3817,7 +3853,7 @@
           <a:p>
             <a:fld id="{F7C6CE28-510F-5240-BB2D-5CAA84033ED0}" type="datetime1">
               <a:rPr lang="en-US" smtClean="0"/>
-              <a:t>7/4/21</a:t>
+              <a:t>7/5/21</a:t>
             </a:fld>
             <a:endParaRPr lang="en-GB"/>
           </a:p>
@@ -4238,7 +4274,7 @@
           <a:p>
             <a:fld id="{DC8473B6-9DB1-6841-865B-A1275004FC4D}" type="datetime1">
               <a:rPr lang="en-US" smtClean="0"/>
-              <a:t>7/4/21</a:t>
+              <a:t>7/5/21</a:t>
             </a:fld>
             <a:endParaRPr lang="en-GB"/>
           </a:p>
@@ -4462,42 +4498,6 @@
           </a:prstGeom>
         </p:spPr>
       </p:pic>
-      <p:pic>
-        <p:nvPicPr>
-          <p:cNvPr id="8" name="Picture 7">
-            <a:extLst>
-              <a:ext uri="{FF2B5EF4-FFF2-40B4-BE49-F238E27FC236}">
-                <a16:creationId xmlns:a16="http://schemas.microsoft.com/office/drawing/2014/main" id="{4E5C9452-636E-C34E-B717-374A80EE7E38}"/>
-              </a:ext>
-            </a:extLst>
-          </p:cNvPr>
-          <p:cNvPicPr>
-            <a:picLocks noChangeAspect="1"/>
-          </p:cNvPicPr>
-          <p:nvPr userDrawn="1"/>
-        </p:nvPicPr>
-        <p:blipFill>
-          <a:blip r:embed="rId15">
-            <a:extLst>
-              <a:ext uri="{28A0092B-C50C-407E-A947-70E740481C1C}">
-                <a14:useLocalDpi xmlns:a14="http://schemas.microsoft.com/office/drawing/2010/main" val="0"/>
-              </a:ext>
-            </a:extLst>
-          </a:blip>
-          <a:stretch>
-            <a:fillRect/>
-          </a:stretch>
-        </p:blipFill>
-        <p:spPr>
-          <a:xfrm>
-            <a:off x="7981407" y="136525"/>
-            <a:ext cx="1102066" cy="1210112"/>
-          </a:xfrm>
-          <a:prstGeom prst="rect">
-            <a:avLst/>
-          </a:prstGeom>
-        </p:spPr>
-      </p:pic>
       <p:sp>
         <p:nvSpPr>
           <p:cNvPr id="2" name="Title Placeholder 1"/>
@@ -4628,7 +4628,7 @@
           <a:p>
             <a:fld id="{13B1BC43-4B43-954F-8BAE-86993A84B7B7}" type="datetime1">
               <a:rPr lang="en-US" smtClean="0"/>
-              <a:t>7/4/21</a:t>
+              <a:t>7/5/21</a:t>
             </a:fld>
             <a:endParaRPr lang="en-GB" dirty="0"/>
           </a:p>

--- a/inst/templates/report.pptx
+++ b/inst/templates/report.pptx
@@ -3051,7 +3051,7 @@
         </p:nvSpPr>
         <p:spPr>
           <a:xfrm>
-            <a:off x="22225" y="71994"/>
+            <a:off x="1" y="71994"/>
             <a:ext cx="12192000" cy="1825625"/>
           </a:xfrm>
           <a:prstGeom prst="rect">
@@ -3345,8 +3345,8 @@
         </p:nvSpPr>
         <p:spPr>
           <a:xfrm>
-            <a:off x="-22225" y="1794746"/>
-            <a:ext cx="12214225" cy="104618"/>
+            <a:off x="0" y="1794746"/>
+            <a:ext cx="12192000" cy="104618"/>
           </a:xfrm>
           <a:prstGeom prst="rect">
             <a:avLst/>
